--- a/101.pptx
+++ b/101.pptx
@@ -7,6 +7,10 @@
   <p:sldIdLst>
     <p:sldId id="256" r:id="rId2"/>
     <p:sldId id="257" r:id="rId3"/>
+    <p:sldId id="258" r:id="rId4"/>
+    <p:sldId id="260" r:id="rId5"/>
+    <p:sldId id="261" r:id="rId6"/>
+    <p:sldId id="259" r:id="rId7"/>
   </p:sldIdLst>
   <p:sldSz cx="12192000" cy="6858000"/>
   <p:notesSz cx="6858000" cy="9144000"/>
@@ -6243,11 +6247,11 @@
           <a:p>
             <a:r>
               <a:rPr lang="nl-NL" dirty="0"/>
-              <a:t>Wat is data </a:t>
+              <a:t>Wat is Data </a:t>
             </a:r>
             <a:r>
               <a:rPr lang="nl-NL" dirty="0" err="1"/>
-              <a:t>science</a:t>
+              <a:t>Science</a:t>
             </a:r>
             <a:r>
               <a:rPr lang="nl-NL" dirty="0"/>
@@ -6402,19 +6406,8 @@
                 <a:latin typeface="Calibri" panose="020F0502020204030204" pitchFamily="34" charset="0"/>
                 <a:cs typeface="Calibri" panose="020F0502020204030204" pitchFamily="34" charset="0"/>
               </a:rPr>
-              <a:t>Data groeperen om conclusies te trekken uit de verschillen tussen </a:t>
-            </a:r>
-            <a:r>
-              <a:rPr lang="nl-NL" sz="2400">
-                <a:latin typeface="Calibri" panose="020F0502020204030204" pitchFamily="34" charset="0"/>
-                <a:cs typeface="Calibri" panose="020F0502020204030204" pitchFamily="34" charset="0"/>
-              </a:rPr>
-              <a:t>de groepen</a:t>
-            </a:r>
-            <a:endParaRPr lang="nl-NL" sz="2400" dirty="0">
-              <a:latin typeface="Calibri" panose="020F0502020204030204" pitchFamily="34" charset="0"/>
-              <a:cs typeface="Calibri" panose="020F0502020204030204" pitchFamily="34" charset="0"/>
-            </a:endParaRPr>
+              <a:t>Data groeperen om conclusies te trekken uit de verschillen tussen de groepen</a:t>
+            </a:r>
           </a:p>
         </p:txBody>
       </p:sp>
@@ -6422,6 +6415,1174 @@
     <p:extLst>
       <p:ext uri="{BB962C8B-B14F-4D97-AF65-F5344CB8AC3E}">
         <p14:creationId xmlns:p14="http://schemas.microsoft.com/office/powerpoint/2010/main" val="3356905134"/>
+      </p:ext>
+    </p:extLst>
+  </p:cSld>
+  <p:clrMapOvr>
+    <a:masterClrMapping/>
+  </p:clrMapOvr>
+</p:sld>
+</file>
+
+<file path=ppt/slides/slide3.xml><?xml version="1.0" encoding="utf-8"?>
+<p:sld xmlns:a="http://schemas.openxmlformats.org/drawingml/2006/main" xmlns:r="http://schemas.openxmlformats.org/officeDocument/2006/relationships" xmlns:p="http://schemas.openxmlformats.org/presentationml/2006/main">
+  <p:cSld>
+    <p:spTree>
+      <p:nvGrpSpPr>
+        <p:cNvPr id="1" name=""/>
+        <p:cNvGrpSpPr/>
+        <p:nvPr/>
+      </p:nvGrpSpPr>
+      <p:grpSpPr>
+        <a:xfrm>
+          <a:off x="0" y="0"/>
+          <a:ext cx="0" cy="0"/>
+          <a:chOff x="0" y="0"/>
+          <a:chExt cx="0" cy="0"/>
+        </a:xfrm>
+      </p:grpSpPr>
+      <p:sp>
+        <p:nvSpPr>
+          <p:cNvPr id="2" name="Title 1">
+            <a:extLst>
+              <a:ext uri="{FF2B5EF4-FFF2-40B4-BE49-F238E27FC236}">
+                <a16:creationId xmlns:a16="http://schemas.microsoft.com/office/drawing/2014/main" id="{255DB635-296E-4AEF-B62D-0E31B4644DDA}"/>
+              </a:ext>
+            </a:extLst>
+          </p:cNvPr>
+          <p:cNvSpPr>
+            <a:spLocks noGrp="1"/>
+          </p:cNvSpPr>
+          <p:nvPr>
+            <p:ph type="title"/>
+          </p:nvPr>
+        </p:nvSpPr>
+        <p:spPr>
+          <a:xfrm>
+            <a:off x="646111" y="452718"/>
+            <a:ext cx="9743759" cy="1400530"/>
+          </a:xfrm>
+        </p:spPr>
+        <p:txBody>
+          <a:bodyPr/>
+          <a:lstStyle/>
+          <a:p>
+            <a:r>
+              <a:rPr lang="en-GB" dirty="0"/>
+              <a:t>Wat is Data Science (portfolio)</a:t>
+            </a:r>
+            <a:endParaRPr lang="nl-NL" dirty="0"/>
+          </a:p>
+        </p:txBody>
+      </p:sp>
+      <p:sp>
+        <p:nvSpPr>
+          <p:cNvPr id="3" name="Content Placeholder 2">
+            <a:extLst>
+              <a:ext uri="{FF2B5EF4-FFF2-40B4-BE49-F238E27FC236}">
+                <a16:creationId xmlns:a16="http://schemas.microsoft.com/office/drawing/2014/main" id="{0C94E3C6-0528-4A9E-B30B-37398C875985}"/>
+              </a:ext>
+            </a:extLst>
+          </p:cNvPr>
+          <p:cNvSpPr>
+            <a:spLocks noGrp="1"/>
+          </p:cNvSpPr>
+          <p:nvPr>
+            <p:ph idx="1"/>
+          </p:nvPr>
+        </p:nvSpPr>
+        <p:spPr>
+          <a:xfrm>
+            <a:off x="889298" y="1920315"/>
+            <a:ext cx="4819426" cy="900710"/>
+          </a:xfrm>
+        </p:spPr>
+        <p:txBody>
+          <a:bodyPr>
+            <a:normAutofit/>
+          </a:bodyPr>
+          <a:lstStyle/>
+          <a:p>
+            <a:pPr marL="0" indent="0" algn="ctr">
+              <a:buNone/>
+            </a:pPr>
+            <a:r>
+              <a:rPr lang="en-GB" dirty="0"/>
+              <a:t>Data </a:t>
+            </a:r>
+            <a:r>
+              <a:rPr lang="en-GB" dirty="0" err="1"/>
+              <a:t>inzichtelijk</a:t>
+            </a:r>
+            <a:r>
+              <a:rPr lang="en-GB" dirty="0"/>
+              <a:t> </a:t>
+            </a:r>
+            <a:r>
+              <a:rPr lang="en-GB" dirty="0" err="1"/>
+              <a:t>maken</a:t>
+            </a:r>
+            <a:r>
+              <a:rPr lang="en-GB" dirty="0"/>
+              <a:t>: graphs</a:t>
+            </a:r>
+          </a:p>
+          <a:p>
+            <a:pPr marL="0" indent="0" algn="ctr">
+              <a:buNone/>
+            </a:pPr>
+            <a:r>
+              <a:rPr lang="en-GB" sz="1800" dirty="0"/>
+              <a:t>(</a:t>
+            </a:r>
+            <a:r>
+              <a:rPr lang="en-GB" sz="1800" dirty="0" err="1"/>
+              <a:t>aantal</a:t>
+            </a:r>
+            <a:r>
+              <a:rPr lang="en-GB" sz="1800" dirty="0"/>
+              <a:t> </a:t>
+            </a:r>
+            <a:r>
+              <a:rPr lang="en-GB" sz="1800" dirty="0" err="1"/>
+              <a:t>landen</a:t>
+            </a:r>
+            <a:r>
+              <a:rPr lang="en-GB" sz="1800" dirty="0"/>
+              <a:t> per </a:t>
+            </a:r>
+            <a:r>
+              <a:rPr lang="en-GB" sz="1800" dirty="0" err="1"/>
+              <a:t>levensverwachting</a:t>
+            </a:r>
+            <a:r>
+              <a:rPr lang="en-GB" sz="1800" dirty="0"/>
+              <a:t>)</a:t>
+            </a:r>
+          </a:p>
+          <a:p>
+            <a:pPr marL="0" indent="0" algn="ctr">
+              <a:buNone/>
+            </a:pPr>
+            <a:endParaRPr lang="nl-NL" dirty="0"/>
+          </a:p>
+        </p:txBody>
+      </p:sp>
+      <p:pic>
+        <p:nvPicPr>
+          <p:cNvPr id="5" name="Picture 4">
+            <a:extLst>
+              <a:ext uri="{FF2B5EF4-FFF2-40B4-BE49-F238E27FC236}">
+                <a16:creationId xmlns:a16="http://schemas.microsoft.com/office/drawing/2014/main" id="{B3384A31-4880-4205-8578-9AE78DA891E8}"/>
+              </a:ext>
+            </a:extLst>
+          </p:cNvPr>
+          <p:cNvPicPr>
+            <a:picLocks noChangeAspect="1"/>
+          </p:cNvPicPr>
+          <p:nvPr/>
+        </p:nvPicPr>
+        <p:blipFill rotWithShape="1">
+          <a:blip r:embed="rId2"/>
+          <a:srcRect l="12344" r="19498" b="1532"/>
+          <a:stretch/>
+        </p:blipFill>
+        <p:spPr>
+          <a:xfrm>
+            <a:off x="646111" y="2983527"/>
+            <a:ext cx="4944932" cy="3421755"/>
+          </a:xfrm>
+          <a:prstGeom prst="rect">
+            <a:avLst/>
+          </a:prstGeom>
+        </p:spPr>
+      </p:pic>
+      <p:pic>
+        <p:nvPicPr>
+          <p:cNvPr id="7" name="Picture 6">
+            <a:extLst>
+              <a:ext uri="{FF2B5EF4-FFF2-40B4-BE49-F238E27FC236}">
+                <a16:creationId xmlns:a16="http://schemas.microsoft.com/office/drawing/2014/main" id="{B0C24F9E-7779-4C03-8EF6-E14FB04EA439}"/>
+              </a:ext>
+            </a:extLst>
+          </p:cNvPr>
+          <p:cNvPicPr>
+            <a:picLocks noChangeAspect="1"/>
+          </p:cNvPicPr>
+          <p:nvPr/>
+        </p:nvPicPr>
+        <p:blipFill rotWithShape="1">
+          <a:blip r:embed="rId3"/>
+          <a:srcRect l="11789" t="-105" r="868" b="105"/>
+          <a:stretch/>
+        </p:blipFill>
+        <p:spPr>
+          <a:xfrm>
+            <a:off x="6288987" y="3101686"/>
+            <a:ext cx="5411343" cy="3185436"/>
+          </a:xfrm>
+          <a:prstGeom prst="rect">
+            <a:avLst/>
+          </a:prstGeom>
+        </p:spPr>
+      </p:pic>
+      <p:sp>
+        <p:nvSpPr>
+          <p:cNvPr id="8" name="Content Placeholder 2">
+            <a:extLst>
+              <a:ext uri="{FF2B5EF4-FFF2-40B4-BE49-F238E27FC236}">
+                <a16:creationId xmlns:a16="http://schemas.microsoft.com/office/drawing/2014/main" id="{84A5A3CE-57F1-4C04-828D-9A2F5A220415}"/>
+              </a:ext>
+            </a:extLst>
+          </p:cNvPr>
+          <p:cNvSpPr txBox="1">
+            <a:spLocks/>
+          </p:cNvSpPr>
+          <p:nvPr/>
+        </p:nvSpPr>
+        <p:spPr>
+          <a:xfrm>
+            <a:off x="6483276" y="1853248"/>
+            <a:ext cx="4819426" cy="900710"/>
+          </a:xfrm>
+          <a:prstGeom prst="rect">
+            <a:avLst/>
+          </a:prstGeom>
+        </p:spPr>
+        <p:txBody>
+          <a:bodyPr vert="horz" lIns="91440" tIns="45720" rIns="91440" bIns="45720" rtlCol="0">
+            <a:normAutofit/>
+          </a:bodyPr>
+          <a:lstStyle>
+            <a:lvl1pPr marL="342900" indent="-342900" algn="l" defTabSz="457200" rtl="0" eaLnBrk="1" latinLnBrk="0" hangingPunct="1">
+              <a:spcBef>
+                <a:spcPts val="1000"/>
+              </a:spcBef>
+              <a:spcAft>
+                <a:spcPts val="0"/>
+              </a:spcAft>
+              <a:buClr>
+                <a:schemeClr val="bg2">
+                  <a:lumMod val="40000"/>
+                  <a:lumOff val="60000"/>
+                </a:schemeClr>
+              </a:buClr>
+              <a:buSzPct val="80000"/>
+              <a:buFont typeface="Wingdings 3" charset="2"/>
+              <a:buChar char=""/>
+              <a:defRPr sz="2000" b="0" i="0" kern="1200">
+                <a:solidFill>
+                  <a:schemeClr val="tx1"/>
+                </a:solidFill>
+                <a:latin typeface="+mj-lt"/>
+                <a:ea typeface="+mj-ea"/>
+                <a:cs typeface="+mj-cs"/>
+              </a:defRPr>
+            </a:lvl1pPr>
+            <a:lvl2pPr marL="742950" indent="-285750" algn="l" defTabSz="457200" rtl="0" eaLnBrk="1" latinLnBrk="0" hangingPunct="1">
+              <a:spcBef>
+                <a:spcPts val="1000"/>
+              </a:spcBef>
+              <a:spcAft>
+                <a:spcPts val="0"/>
+              </a:spcAft>
+              <a:buClr>
+                <a:schemeClr val="bg2">
+                  <a:lumMod val="40000"/>
+                  <a:lumOff val="60000"/>
+                </a:schemeClr>
+              </a:buClr>
+              <a:buSzPct val="80000"/>
+              <a:buFont typeface="Wingdings 3" charset="2"/>
+              <a:buChar char=""/>
+              <a:defRPr sz="1800" b="0" i="0" kern="1200">
+                <a:solidFill>
+                  <a:schemeClr val="tx1"/>
+                </a:solidFill>
+                <a:latin typeface="+mj-lt"/>
+                <a:ea typeface="+mj-ea"/>
+                <a:cs typeface="+mj-cs"/>
+              </a:defRPr>
+            </a:lvl2pPr>
+            <a:lvl3pPr marL="1143000" indent="-228600" algn="l" defTabSz="457200" rtl="0" eaLnBrk="1" latinLnBrk="0" hangingPunct="1">
+              <a:spcBef>
+                <a:spcPts val="1000"/>
+              </a:spcBef>
+              <a:spcAft>
+                <a:spcPts val="0"/>
+              </a:spcAft>
+              <a:buClr>
+                <a:schemeClr val="bg2">
+                  <a:lumMod val="40000"/>
+                  <a:lumOff val="60000"/>
+                </a:schemeClr>
+              </a:buClr>
+              <a:buSzPct val="80000"/>
+              <a:buFont typeface="Wingdings 3" charset="2"/>
+              <a:buChar char=""/>
+              <a:defRPr sz="1600" b="0" i="0" kern="1200">
+                <a:solidFill>
+                  <a:schemeClr val="tx1"/>
+                </a:solidFill>
+                <a:latin typeface="+mj-lt"/>
+                <a:ea typeface="+mj-ea"/>
+                <a:cs typeface="+mj-cs"/>
+              </a:defRPr>
+            </a:lvl3pPr>
+            <a:lvl4pPr marL="1600200" indent="-228600" algn="l" defTabSz="457200" rtl="0" eaLnBrk="1" latinLnBrk="0" hangingPunct="1">
+              <a:spcBef>
+                <a:spcPts val="1000"/>
+              </a:spcBef>
+              <a:spcAft>
+                <a:spcPts val="0"/>
+              </a:spcAft>
+              <a:buClr>
+                <a:schemeClr val="bg2">
+                  <a:lumMod val="40000"/>
+                  <a:lumOff val="60000"/>
+                </a:schemeClr>
+              </a:buClr>
+              <a:buSzPct val="80000"/>
+              <a:buFont typeface="Wingdings 3" charset="2"/>
+              <a:buChar char=""/>
+              <a:defRPr sz="1400" b="0" i="0" kern="1200">
+                <a:solidFill>
+                  <a:schemeClr val="tx1"/>
+                </a:solidFill>
+                <a:latin typeface="+mj-lt"/>
+                <a:ea typeface="+mj-ea"/>
+                <a:cs typeface="+mj-cs"/>
+              </a:defRPr>
+            </a:lvl4pPr>
+            <a:lvl5pPr marL="2057400" indent="-228600" algn="l" defTabSz="457200" rtl="0" eaLnBrk="1" latinLnBrk="0" hangingPunct="1">
+              <a:spcBef>
+                <a:spcPts val="1000"/>
+              </a:spcBef>
+              <a:spcAft>
+                <a:spcPts val="0"/>
+              </a:spcAft>
+              <a:buClr>
+                <a:schemeClr val="bg2">
+                  <a:lumMod val="40000"/>
+                  <a:lumOff val="60000"/>
+                </a:schemeClr>
+              </a:buClr>
+              <a:buSzPct val="80000"/>
+              <a:buFont typeface="Wingdings 3" charset="2"/>
+              <a:buChar char=""/>
+              <a:defRPr sz="1400" b="0" i="0" kern="1200">
+                <a:solidFill>
+                  <a:schemeClr val="tx1"/>
+                </a:solidFill>
+                <a:latin typeface="+mj-lt"/>
+                <a:ea typeface="+mj-ea"/>
+                <a:cs typeface="+mj-cs"/>
+              </a:defRPr>
+            </a:lvl5pPr>
+            <a:lvl6pPr marL="2506000" indent="-228600" algn="l" defTabSz="457200" rtl="0" eaLnBrk="1" latinLnBrk="0" hangingPunct="1">
+              <a:spcBef>
+                <a:spcPts val="1000"/>
+              </a:spcBef>
+              <a:spcAft>
+                <a:spcPts val="0"/>
+              </a:spcAft>
+              <a:buClr>
+                <a:schemeClr val="bg2">
+                  <a:lumMod val="40000"/>
+                  <a:lumOff val="60000"/>
+                </a:schemeClr>
+              </a:buClr>
+              <a:buSzPct val="80000"/>
+              <a:buFont typeface="Wingdings 3" charset="2"/>
+              <a:buChar char=""/>
+              <a:defRPr sz="1400" b="0" i="0" kern="1200">
+                <a:solidFill>
+                  <a:schemeClr val="tx1"/>
+                </a:solidFill>
+                <a:latin typeface="+mj-lt"/>
+                <a:ea typeface="+mj-ea"/>
+                <a:cs typeface="+mj-cs"/>
+              </a:defRPr>
+            </a:lvl6pPr>
+            <a:lvl7pPr marL="2971800" indent="-228600" algn="l" defTabSz="457200" rtl="0" eaLnBrk="1" latinLnBrk="0" hangingPunct="1">
+              <a:spcBef>
+                <a:spcPts val="1000"/>
+              </a:spcBef>
+              <a:spcAft>
+                <a:spcPts val="0"/>
+              </a:spcAft>
+              <a:buClr>
+                <a:schemeClr val="bg2">
+                  <a:lumMod val="40000"/>
+                  <a:lumOff val="60000"/>
+                </a:schemeClr>
+              </a:buClr>
+              <a:buSzPct val="80000"/>
+              <a:buFont typeface="Wingdings 3" charset="2"/>
+              <a:buChar char=""/>
+              <a:defRPr sz="1400" b="0" i="0" kern="1200">
+                <a:solidFill>
+                  <a:schemeClr val="tx1"/>
+                </a:solidFill>
+                <a:latin typeface="+mj-lt"/>
+                <a:ea typeface="+mj-ea"/>
+                <a:cs typeface="+mj-cs"/>
+              </a:defRPr>
+            </a:lvl7pPr>
+            <a:lvl8pPr marL="3429000" indent="-228600" algn="l" defTabSz="457200" rtl="0" eaLnBrk="1" latinLnBrk="0" hangingPunct="1">
+              <a:spcBef>
+                <a:spcPts val="1000"/>
+              </a:spcBef>
+              <a:spcAft>
+                <a:spcPts val="0"/>
+              </a:spcAft>
+              <a:buClr>
+                <a:schemeClr val="bg2">
+                  <a:lumMod val="40000"/>
+                  <a:lumOff val="60000"/>
+                </a:schemeClr>
+              </a:buClr>
+              <a:buSzPct val="80000"/>
+              <a:buFont typeface="Wingdings 3" charset="2"/>
+              <a:buChar char=""/>
+              <a:defRPr sz="1400" b="0" i="0" kern="1200">
+                <a:solidFill>
+                  <a:schemeClr val="tx1"/>
+                </a:solidFill>
+                <a:latin typeface="+mj-lt"/>
+                <a:ea typeface="+mj-ea"/>
+                <a:cs typeface="+mj-cs"/>
+              </a:defRPr>
+            </a:lvl8pPr>
+            <a:lvl9pPr marL="3886200" indent="-228600" algn="l" defTabSz="457200" rtl="0" eaLnBrk="1" latinLnBrk="0" hangingPunct="1">
+              <a:spcBef>
+                <a:spcPts val="1000"/>
+              </a:spcBef>
+              <a:spcAft>
+                <a:spcPts val="0"/>
+              </a:spcAft>
+              <a:buClr>
+                <a:schemeClr val="bg2">
+                  <a:lumMod val="40000"/>
+                  <a:lumOff val="60000"/>
+                </a:schemeClr>
+              </a:buClr>
+              <a:buSzPct val="80000"/>
+              <a:buFont typeface="Wingdings 3" charset="2"/>
+              <a:buChar char=""/>
+              <a:defRPr sz="1400" b="0" i="0" kern="1200">
+                <a:solidFill>
+                  <a:schemeClr val="tx1"/>
+                </a:solidFill>
+                <a:latin typeface="+mj-lt"/>
+                <a:ea typeface="+mj-ea"/>
+                <a:cs typeface="+mj-cs"/>
+              </a:defRPr>
+            </a:lvl9pPr>
+          </a:lstStyle>
+          <a:p>
+            <a:pPr marL="0" indent="0" algn="ctr">
+              <a:buFont typeface="Wingdings 3" charset="2"/>
+              <a:buNone/>
+            </a:pPr>
+            <a:r>
+              <a:rPr lang="en-GB" dirty="0"/>
+              <a:t>Data </a:t>
+            </a:r>
+            <a:r>
+              <a:rPr lang="en-GB" dirty="0" err="1"/>
+              <a:t>inzichtelijk</a:t>
+            </a:r>
+            <a:r>
+              <a:rPr lang="en-GB" dirty="0"/>
+              <a:t> </a:t>
+            </a:r>
+            <a:r>
+              <a:rPr lang="en-GB" dirty="0" err="1"/>
+              <a:t>maken</a:t>
+            </a:r>
+            <a:r>
+              <a:rPr lang="en-GB" dirty="0"/>
+              <a:t>: </a:t>
+            </a:r>
+            <a:r>
+              <a:rPr lang="en-GB" dirty="0" err="1"/>
+              <a:t>distributies</a:t>
+            </a:r>
+            <a:endParaRPr lang="en-GB" dirty="0"/>
+          </a:p>
+          <a:p>
+            <a:pPr marL="0" indent="0" algn="ctr">
+              <a:buFont typeface="Wingdings 3" charset="2"/>
+              <a:buNone/>
+            </a:pPr>
+            <a:r>
+              <a:rPr lang="en-GB" sz="1800" dirty="0"/>
+              <a:t>(</a:t>
+            </a:r>
+            <a:r>
+              <a:rPr lang="en-GB" sz="1800" dirty="0" err="1"/>
+              <a:t>aantal</a:t>
+            </a:r>
+            <a:r>
+              <a:rPr lang="en-GB" sz="1800" dirty="0"/>
+              <a:t> tracts per </a:t>
+            </a:r>
+            <a:r>
+              <a:rPr lang="en-GB" sz="1800" dirty="0" err="1"/>
+              <a:t>inkomen</a:t>
+            </a:r>
+            <a:r>
+              <a:rPr lang="en-GB" sz="1800" dirty="0"/>
+              <a:t>)</a:t>
+            </a:r>
+          </a:p>
+          <a:p>
+            <a:pPr marL="0" indent="0" algn="ctr">
+              <a:buFont typeface="Wingdings 3" charset="2"/>
+              <a:buNone/>
+            </a:pPr>
+            <a:endParaRPr lang="nl-NL" dirty="0"/>
+          </a:p>
+        </p:txBody>
+      </p:sp>
+    </p:spTree>
+    <p:extLst>
+      <p:ext uri="{BB962C8B-B14F-4D97-AF65-F5344CB8AC3E}">
+        <p14:creationId xmlns:p14="http://schemas.microsoft.com/office/powerpoint/2010/main" val="312965478"/>
+      </p:ext>
+    </p:extLst>
+  </p:cSld>
+  <p:clrMapOvr>
+    <a:masterClrMapping/>
+  </p:clrMapOvr>
+</p:sld>
+</file>
+
+<file path=ppt/slides/slide4.xml><?xml version="1.0" encoding="utf-8"?>
+<p:sld xmlns:a="http://schemas.openxmlformats.org/drawingml/2006/main" xmlns:r="http://schemas.openxmlformats.org/officeDocument/2006/relationships" xmlns:p="http://schemas.openxmlformats.org/presentationml/2006/main">
+  <p:cSld>
+    <p:spTree>
+      <p:nvGrpSpPr>
+        <p:cNvPr id="1" name=""/>
+        <p:cNvGrpSpPr/>
+        <p:nvPr/>
+      </p:nvGrpSpPr>
+      <p:grpSpPr>
+        <a:xfrm>
+          <a:off x="0" y="0"/>
+          <a:ext cx="0" cy="0"/>
+          <a:chOff x="0" y="0"/>
+          <a:chExt cx="0" cy="0"/>
+        </a:xfrm>
+      </p:grpSpPr>
+      <p:sp>
+        <p:nvSpPr>
+          <p:cNvPr id="2" name="Title 1">
+            <a:extLst>
+              <a:ext uri="{FF2B5EF4-FFF2-40B4-BE49-F238E27FC236}">
+                <a16:creationId xmlns:a16="http://schemas.microsoft.com/office/drawing/2014/main" id="{255DB635-296E-4AEF-B62D-0E31B4644DDA}"/>
+              </a:ext>
+            </a:extLst>
+          </p:cNvPr>
+          <p:cNvSpPr>
+            <a:spLocks noGrp="1"/>
+          </p:cNvSpPr>
+          <p:nvPr>
+            <p:ph type="title"/>
+          </p:nvPr>
+        </p:nvSpPr>
+        <p:spPr>
+          <a:xfrm>
+            <a:off x="646111" y="452718"/>
+            <a:ext cx="9743759" cy="1400530"/>
+          </a:xfrm>
+        </p:spPr>
+        <p:txBody>
+          <a:bodyPr/>
+          <a:lstStyle/>
+          <a:p>
+            <a:r>
+              <a:rPr lang="en-GB" dirty="0"/>
+              <a:t>Wat is Data Science (portfolio)</a:t>
+            </a:r>
+            <a:endParaRPr lang="nl-NL" dirty="0"/>
+          </a:p>
+        </p:txBody>
+      </p:sp>
+      <p:sp>
+        <p:nvSpPr>
+          <p:cNvPr id="3" name="Content Placeholder 2">
+            <a:extLst>
+              <a:ext uri="{FF2B5EF4-FFF2-40B4-BE49-F238E27FC236}">
+                <a16:creationId xmlns:a16="http://schemas.microsoft.com/office/drawing/2014/main" id="{0C94E3C6-0528-4A9E-B30B-37398C875985}"/>
+              </a:ext>
+            </a:extLst>
+          </p:cNvPr>
+          <p:cNvSpPr>
+            <a:spLocks noGrp="1"/>
+          </p:cNvSpPr>
+          <p:nvPr>
+            <p:ph idx="1"/>
+          </p:nvPr>
+        </p:nvSpPr>
+        <p:spPr>
+          <a:xfrm>
+            <a:off x="1276574" y="1685526"/>
+            <a:ext cx="8792584" cy="487519"/>
+          </a:xfrm>
+        </p:spPr>
+        <p:txBody>
+          <a:bodyPr>
+            <a:normAutofit/>
+          </a:bodyPr>
+          <a:lstStyle/>
+          <a:p>
+            <a:pPr marL="0" indent="0" algn="ctr">
+              <a:buNone/>
+            </a:pPr>
+            <a:r>
+              <a:rPr lang="en-GB" dirty="0" err="1"/>
+              <a:t>Conclusies</a:t>
+            </a:r>
+            <a:r>
+              <a:rPr lang="en-GB" dirty="0"/>
+              <a:t> </a:t>
+            </a:r>
+            <a:r>
+              <a:rPr lang="en-GB" dirty="0" err="1"/>
+              <a:t>trekken</a:t>
+            </a:r>
+            <a:r>
+              <a:rPr lang="en-GB" dirty="0"/>
+              <a:t> </a:t>
+            </a:r>
+            <a:r>
+              <a:rPr lang="en-GB" dirty="0" err="1"/>
+              <a:t>uit</a:t>
+            </a:r>
+            <a:r>
+              <a:rPr lang="en-GB" dirty="0"/>
+              <a:t> data </a:t>
+            </a:r>
+            <a:r>
+              <a:rPr lang="en-GB" sz="1800" dirty="0"/>
+              <a:t>(</a:t>
+            </a:r>
+            <a:r>
+              <a:rPr lang="en-GB" sz="1800" dirty="0" err="1"/>
+              <a:t>vleugel</a:t>
+            </a:r>
+            <a:r>
+              <a:rPr lang="en-GB" sz="1800" dirty="0"/>
+              <a:t> </a:t>
+            </a:r>
+            <a:r>
+              <a:rPr lang="en-GB" sz="1800" dirty="0" err="1"/>
+              <a:t>lengte</a:t>
+            </a:r>
+            <a:r>
+              <a:rPr lang="en-GB" sz="1800" dirty="0"/>
+              <a:t> per </a:t>
+            </a:r>
+            <a:r>
+              <a:rPr lang="en-GB" sz="1800" dirty="0" err="1"/>
+              <a:t>penguïn</a:t>
+            </a:r>
+            <a:r>
+              <a:rPr lang="en-GB" sz="1800" dirty="0"/>
+              <a:t> </a:t>
+            </a:r>
+            <a:r>
+              <a:rPr lang="en-GB" sz="1800" dirty="0" err="1"/>
+              <a:t>soort</a:t>
+            </a:r>
+            <a:r>
+              <a:rPr lang="en-GB" sz="1800" dirty="0"/>
+              <a:t>)</a:t>
+            </a:r>
+            <a:endParaRPr lang="en-GB" dirty="0"/>
+          </a:p>
+        </p:txBody>
+      </p:sp>
+      <p:pic>
+        <p:nvPicPr>
+          <p:cNvPr id="6" name="Picture 5">
+            <a:extLst>
+              <a:ext uri="{FF2B5EF4-FFF2-40B4-BE49-F238E27FC236}">
+                <a16:creationId xmlns:a16="http://schemas.microsoft.com/office/drawing/2014/main" id="{235BC6F7-226A-4D28-AE91-3DAC6F00E720}"/>
+              </a:ext>
+            </a:extLst>
+          </p:cNvPr>
+          <p:cNvPicPr>
+            <a:picLocks noChangeAspect="1"/>
+          </p:cNvPicPr>
+          <p:nvPr/>
+        </p:nvPicPr>
+        <p:blipFill rotWithShape="1">
+          <a:blip r:embed="rId2"/>
+          <a:srcRect l="858"/>
+          <a:stretch/>
+        </p:blipFill>
+        <p:spPr>
+          <a:xfrm>
+            <a:off x="1086521" y="2303603"/>
+            <a:ext cx="9325087" cy="4328535"/>
+          </a:xfrm>
+          <a:prstGeom prst="rect">
+            <a:avLst/>
+          </a:prstGeom>
+        </p:spPr>
+      </p:pic>
+    </p:spTree>
+    <p:extLst>
+      <p:ext uri="{BB962C8B-B14F-4D97-AF65-F5344CB8AC3E}">
+        <p14:creationId xmlns:p14="http://schemas.microsoft.com/office/powerpoint/2010/main" val="1286325719"/>
+      </p:ext>
+    </p:extLst>
+  </p:cSld>
+  <p:clrMapOvr>
+    <a:masterClrMapping/>
+  </p:clrMapOvr>
+</p:sld>
+</file>
+
+<file path=ppt/slides/slide5.xml><?xml version="1.0" encoding="utf-8"?>
+<p:sld xmlns:a="http://schemas.openxmlformats.org/drawingml/2006/main" xmlns:r="http://schemas.openxmlformats.org/officeDocument/2006/relationships" xmlns:p="http://schemas.openxmlformats.org/presentationml/2006/main">
+  <p:cSld>
+    <p:spTree>
+      <p:nvGrpSpPr>
+        <p:cNvPr id="1" name=""/>
+        <p:cNvGrpSpPr/>
+        <p:nvPr/>
+      </p:nvGrpSpPr>
+      <p:grpSpPr>
+        <a:xfrm>
+          <a:off x="0" y="0"/>
+          <a:ext cx="0" cy="0"/>
+          <a:chOff x="0" y="0"/>
+          <a:chExt cx="0" cy="0"/>
+        </a:xfrm>
+      </p:grpSpPr>
+      <p:sp>
+        <p:nvSpPr>
+          <p:cNvPr id="2" name="Title 1">
+            <a:extLst>
+              <a:ext uri="{FF2B5EF4-FFF2-40B4-BE49-F238E27FC236}">
+                <a16:creationId xmlns:a16="http://schemas.microsoft.com/office/drawing/2014/main" id="{255DB635-296E-4AEF-B62D-0E31B4644DDA}"/>
+              </a:ext>
+            </a:extLst>
+          </p:cNvPr>
+          <p:cNvSpPr>
+            <a:spLocks noGrp="1"/>
+          </p:cNvSpPr>
+          <p:nvPr>
+            <p:ph type="title"/>
+          </p:nvPr>
+        </p:nvSpPr>
+        <p:spPr>
+          <a:xfrm>
+            <a:off x="646111" y="452718"/>
+            <a:ext cx="9743759" cy="1400530"/>
+          </a:xfrm>
+        </p:spPr>
+        <p:txBody>
+          <a:bodyPr/>
+          <a:lstStyle/>
+          <a:p>
+            <a:r>
+              <a:rPr lang="en-GB" dirty="0"/>
+              <a:t>Wat is Data Science (portfolio)</a:t>
+            </a:r>
+            <a:endParaRPr lang="nl-NL" dirty="0"/>
+          </a:p>
+        </p:txBody>
+      </p:sp>
+      <p:sp>
+        <p:nvSpPr>
+          <p:cNvPr id="3" name="Content Placeholder 2">
+            <a:extLst>
+              <a:ext uri="{FF2B5EF4-FFF2-40B4-BE49-F238E27FC236}">
+                <a16:creationId xmlns:a16="http://schemas.microsoft.com/office/drawing/2014/main" id="{0C94E3C6-0528-4A9E-B30B-37398C875985}"/>
+              </a:ext>
+            </a:extLst>
+          </p:cNvPr>
+          <p:cNvSpPr>
+            <a:spLocks noGrp="1"/>
+          </p:cNvSpPr>
+          <p:nvPr>
+            <p:ph idx="1"/>
+          </p:nvPr>
+        </p:nvSpPr>
+        <p:spPr>
+          <a:xfrm>
+            <a:off x="1287331" y="1853248"/>
+            <a:ext cx="8792584" cy="487519"/>
+          </a:xfrm>
+        </p:spPr>
+        <p:txBody>
+          <a:bodyPr>
+            <a:normAutofit/>
+          </a:bodyPr>
+          <a:lstStyle/>
+          <a:p>
+            <a:pPr marL="0" indent="0" algn="ctr">
+              <a:buNone/>
+            </a:pPr>
+            <a:r>
+              <a:rPr lang="en-GB" dirty="0" err="1"/>
+              <a:t>Berekeningen</a:t>
+            </a:r>
+            <a:r>
+              <a:rPr lang="en-GB" dirty="0"/>
+              <a:t> op data </a:t>
+            </a:r>
+            <a:r>
+              <a:rPr lang="en-GB" sz="1800" dirty="0"/>
+              <a:t>(</a:t>
+            </a:r>
+            <a:r>
+              <a:rPr lang="en-GB" sz="1800" dirty="0" err="1"/>
+              <a:t>correlaties</a:t>
+            </a:r>
+            <a:r>
+              <a:rPr lang="en-GB" sz="1800" dirty="0"/>
+              <a:t> </a:t>
+            </a:r>
+            <a:r>
+              <a:rPr lang="en-GB" sz="1800" dirty="0" err="1"/>
+              <a:t>tussen</a:t>
+            </a:r>
+            <a:r>
+              <a:rPr lang="en-GB" sz="1800" dirty="0"/>
+              <a:t> </a:t>
+            </a:r>
+            <a:r>
+              <a:rPr lang="en-GB" sz="1800" dirty="0" err="1"/>
+              <a:t>verschillende</a:t>
+            </a:r>
+            <a:r>
+              <a:rPr lang="en-GB" sz="1800" dirty="0"/>
+              <a:t> </a:t>
+            </a:r>
+            <a:r>
+              <a:rPr lang="en-GB" sz="1800" dirty="0" err="1"/>
+              <a:t>kolommen</a:t>
+            </a:r>
+            <a:r>
+              <a:rPr lang="en-GB" sz="1800" dirty="0"/>
+              <a:t>)</a:t>
+            </a:r>
+            <a:endParaRPr lang="en-GB" dirty="0"/>
+          </a:p>
+        </p:txBody>
+      </p:sp>
+      <p:pic>
+        <p:nvPicPr>
+          <p:cNvPr id="5" name="Picture 4">
+            <a:extLst>
+              <a:ext uri="{FF2B5EF4-FFF2-40B4-BE49-F238E27FC236}">
+                <a16:creationId xmlns:a16="http://schemas.microsoft.com/office/drawing/2014/main" id="{E704E5C6-4BF2-4F0E-AE7C-4716AFDBDAAA}"/>
+              </a:ext>
+            </a:extLst>
+          </p:cNvPr>
+          <p:cNvPicPr>
+            <a:picLocks noChangeAspect="1"/>
+          </p:cNvPicPr>
+          <p:nvPr/>
+        </p:nvPicPr>
+        <p:blipFill>
+          <a:blip r:embed="rId2"/>
+          <a:stretch>
+            <a:fillRect/>
+          </a:stretch>
+        </p:blipFill>
+        <p:spPr>
+          <a:xfrm>
+            <a:off x="790747" y="2496982"/>
+            <a:ext cx="10610505" cy="3505785"/>
+          </a:xfrm>
+          <a:prstGeom prst="rect">
+            <a:avLst/>
+          </a:prstGeom>
+        </p:spPr>
+      </p:pic>
+    </p:spTree>
+    <p:extLst>
+      <p:ext uri="{BB962C8B-B14F-4D97-AF65-F5344CB8AC3E}">
+        <p14:creationId xmlns:p14="http://schemas.microsoft.com/office/powerpoint/2010/main" val="428544197"/>
+      </p:ext>
+    </p:extLst>
+  </p:cSld>
+  <p:clrMapOvr>
+    <a:masterClrMapping/>
+  </p:clrMapOvr>
+</p:sld>
+</file>
+
+<file path=ppt/slides/slide6.xml><?xml version="1.0" encoding="utf-8"?>
+<p:sld xmlns:a="http://schemas.openxmlformats.org/drawingml/2006/main" xmlns:r="http://schemas.openxmlformats.org/officeDocument/2006/relationships" xmlns:p="http://schemas.openxmlformats.org/presentationml/2006/main">
+  <p:cSld>
+    <p:spTree>
+      <p:nvGrpSpPr>
+        <p:cNvPr id="1" name=""/>
+        <p:cNvGrpSpPr/>
+        <p:nvPr/>
+      </p:nvGrpSpPr>
+      <p:grpSpPr>
+        <a:xfrm>
+          <a:off x="0" y="0"/>
+          <a:ext cx="0" cy="0"/>
+          <a:chOff x="0" y="0"/>
+          <a:chExt cx="0" cy="0"/>
+        </a:xfrm>
+      </p:grpSpPr>
+      <p:sp>
+        <p:nvSpPr>
+          <p:cNvPr id="2" name="Title 1">
+            <a:extLst>
+              <a:ext uri="{FF2B5EF4-FFF2-40B4-BE49-F238E27FC236}">
+                <a16:creationId xmlns:a16="http://schemas.microsoft.com/office/drawing/2014/main" id="{B8588A7D-1D7E-4AFA-B4A1-0D5A6328740D}"/>
+              </a:ext>
+            </a:extLst>
+          </p:cNvPr>
+          <p:cNvSpPr>
+            <a:spLocks noGrp="1"/>
+          </p:cNvSpPr>
+          <p:nvPr>
+            <p:ph type="title"/>
+          </p:nvPr>
+        </p:nvSpPr>
+        <p:spPr/>
+        <p:txBody>
+          <a:bodyPr/>
+          <a:lstStyle/>
+          <a:p>
+            <a:r>
+              <a:rPr lang="en-GB" dirty="0" err="1"/>
+              <a:t>Relatie</a:t>
+            </a:r>
+            <a:r>
+              <a:rPr lang="en-GB" dirty="0"/>
+              <a:t> </a:t>
+            </a:r>
+            <a:r>
+              <a:rPr lang="en-GB" dirty="0" err="1"/>
+              <a:t>tussen</a:t>
+            </a:r>
+            <a:r>
+              <a:rPr lang="en-GB" dirty="0"/>
+              <a:t> Data Science </a:t>
+            </a:r>
+            <a:r>
+              <a:rPr lang="en-GB" dirty="0" err="1"/>
+              <a:t>en</a:t>
+            </a:r>
+            <a:r>
+              <a:rPr lang="en-GB" dirty="0"/>
+              <a:t> BI</a:t>
+            </a:r>
+            <a:endParaRPr lang="nl-NL" dirty="0"/>
+          </a:p>
+        </p:txBody>
+      </p:sp>
+      <p:sp>
+        <p:nvSpPr>
+          <p:cNvPr id="3" name="Content Placeholder 2">
+            <a:extLst>
+              <a:ext uri="{FF2B5EF4-FFF2-40B4-BE49-F238E27FC236}">
+                <a16:creationId xmlns:a16="http://schemas.microsoft.com/office/drawing/2014/main" id="{51FC35E6-6936-480C-807F-69E7327B5064}"/>
+              </a:ext>
+            </a:extLst>
+          </p:cNvPr>
+          <p:cNvSpPr>
+            <a:spLocks noGrp="1"/>
+          </p:cNvSpPr>
+          <p:nvPr>
+            <p:ph idx="1"/>
+          </p:nvPr>
+        </p:nvSpPr>
+        <p:spPr/>
+        <p:txBody>
+          <a:bodyPr/>
+          <a:lstStyle/>
+          <a:p>
+            <a:r>
+              <a:rPr lang="en-GB" dirty="0"/>
+              <a:t>Data Science </a:t>
+            </a:r>
+            <a:r>
+              <a:rPr lang="en-GB" dirty="0" err="1"/>
+              <a:t>verwerkt</a:t>
+            </a:r>
+            <a:r>
+              <a:rPr lang="en-GB" dirty="0"/>
+              <a:t> data </a:t>
+            </a:r>
+            <a:r>
+              <a:rPr lang="en-GB" dirty="0" err="1"/>
+              <a:t>en</a:t>
+            </a:r>
+            <a:r>
+              <a:rPr lang="en-GB" dirty="0"/>
+              <a:t> </a:t>
+            </a:r>
+            <a:r>
+              <a:rPr lang="en-GB" dirty="0" err="1"/>
+              <a:t>voert</a:t>
+            </a:r>
+            <a:r>
+              <a:rPr lang="en-GB" dirty="0"/>
+              <a:t> </a:t>
+            </a:r>
+            <a:r>
+              <a:rPr lang="en-GB" dirty="0" err="1"/>
+              <a:t>hier</a:t>
+            </a:r>
+            <a:r>
+              <a:rPr lang="en-GB" dirty="0"/>
+              <a:t> </a:t>
+            </a:r>
+            <a:r>
+              <a:rPr lang="en-GB" dirty="0" err="1"/>
+              <a:t>berekeningen</a:t>
+            </a:r>
+            <a:r>
+              <a:rPr lang="en-GB" dirty="0"/>
+              <a:t> op </a:t>
+            </a:r>
+            <a:r>
+              <a:rPr lang="en-GB" dirty="0" err="1"/>
+              <a:t>uit</a:t>
+            </a:r>
+            <a:r>
+              <a:rPr lang="en-GB" dirty="0"/>
+              <a:t>. Het </a:t>
+            </a:r>
+            <a:r>
+              <a:rPr lang="en-GB" dirty="0" err="1"/>
+              <a:t>trainen</a:t>
+            </a:r>
+            <a:r>
+              <a:rPr lang="en-GB" dirty="0"/>
+              <a:t> van Artificial Intelligence </a:t>
+            </a:r>
+            <a:r>
+              <a:rPr lang="en-GB" dirty="0" err="1"/>
+              <a:t>en</a:t>
+            </a:r>
+            <a:r>
+              <a:rPr lang="en-GB" dirty="0"/>
+              <a:t> Machine Learning </a:t>
+            </a:r>
+            <a:r>
+              <a:rPr lang="en-GB" dirty="0" err="1"/>
+              <a:t>technieken</a:t>
+            </a:r>
+            <a:r>
+              <a:rPr lang="en-GB" dirty="0"/>
+              <a:t> </a:t>
+            </a:r>
+            <a:r>
+              <a:rPr lang="en-GB" dirty="0" err="1"/>
+              <a:t>vallen</a:t>
+            </a:r>
+            <a:r>
+              <a:rPr lang="en-GB" dirty="0"/>
+              <a:t> </a:t>
+            </a:r>
+            <a:r>
+              <a:rPr lang="en-GB" dirty="0" err="1"/>
+              <a:t>hier</a:t>
+            </a:r>
+            <a:r>
+              <a:rPr lang="en-GB" dirty="0"/>
+              <a:t> </a:t>
+            </a:r>
+            <a:r>
+              <a:rPr lang="en-GB" dirty="0" err="1"/>
+              <a:t>ook</a:t>
+            </a:r>
+            <a:r>
+              <a:rPr lang="en-GB" dirty="0"/>
+              <a:t> </a:t>
+            </a:r>
+            <a:r>
+              <a:rPr lang="en-GB" dirty="0" err="1"/>
+              <a:t>onder</a:t>
+            </a:r>
+            <a:r>
+              <a:rPr lang="en-GB" dirty="0"/>
+              <a:t>. </a:t>
+            </a:r>
+          </a:p>
+          <a:p>
+            <a:r>
+              <a:rPr lang="en-GB" dirty="0"/>
+              <a:t>Data Science is </a:t>
+            </a:r>
+            <a:r>
+              <a:rPr lang="en-GB" dirty="0" err="1"/>
+              <a:t>algemeen</a:t>
+            </a:r>
+            <a:r>
+              <a:rPr lang="en-GB" dirty="0"/>
+              <a:t> </a:t>
+            </a:r>
+            <a:r>
+              <a:rPr lang="en-GB" dirty="0" err="1"/>
+              <a:t>en</a:t>
+            </a:r>
+            <a:r>
+              <a:rPr lang="en-GB" dirty="0"/>
+              <a:t> </a:t>
+            </a:r>
+            <a:r>
+              <a:rPr lang="en-GB" dirty="0" err="1"/>
+              <a:t>richt</a:t>
+            </a:r>
+            <a:r>
+              <a:rPr lang="en-GB" dirty="0"/>
+              <a:t> </a:t>
+            </a:r>
+            <a:r>
+              <a:rPr lang="en-GB" dirty="0" err="1"/>
+              <a:t>zich</a:t>
+            </a:r>
+            <a:r>
+              <a:rPr lang="en-GB" dirty="0"/>
+              <a:t> </a:t>
+            </a:r>
+            <a:r>
+              <a:rPr lang="en-GB" dirty="0" err="1"/>
+              <a:t>puur</a:t>
+            </a:r>
+            <a:r>
+              <a:rPr lang="en-GB" dirty="0"/>
+              <a:t> op data.</a:t>
+            </a:r>
+          </a:p>
+          <a:p>
+            <a:endParaRPr lang="en-GB" dirty="0"/>
+          </a:p>
+          <a:p>
+            <a:r>
+              <a:rPr lang="nl-NL" dirty="0"/>
+              <a:t>Business Intelligence is het maken en verwerken van inzichtelijk gemaakte data. Dus het maken van tabellen en grafieken uit data, om hier vervolgens conclusies uit te trekken. </a:t>
+            </a:r>
+          </a:p>
+          <a:p>
+            <a:r>
+              <a:rPr lang="nl-NL" dirty="0"/>
+              <a:t>Business Intelligence is onderdeel van een bedrijf en heeft het doel een bedrijf te verbeteren.</a:t>
+            </a:r>
+          </a:p>
+        </p:txBody>
+      </p:sp>
+    </p:spTree>
+    <p:extLst>
+      <p:ext uri="{BB962C8B-B14F-4D97-AF65-F5344CB8AC3E}">
+        <p14:creationId xmlns:p14="http://schemas.microsoft.com/office/powerpoint/2010/main" val="3777295433"/>
       </p:ext>
     </p:extLst>
   </p:cSld>
